--- a/PredictiveMaintenance_I_Sigmund_Stein-Mössner_Weissenberger.pptx
+++ b/PredictiveMaintenance_I_Sigmund_Stein-Mössner_Weissenberger.pptx
@@ -126,6 +126,7 @@
 <p1510:revInfo xmlns:a="http://schemas.openxmlformats.org/drawingml/2006/main" xmlns:r="http://schemas.openxmlformats.org/officeDocument/2006/relationships" xmlns:p1510="http://schemas.microsoft.com/office/powerpoint/2015/10/main">
   <p1510:revLst>
     <p1510:client id="{119BAF37-B499-0146-335F-C422A57D4E11}" v="267" dt="2025-02-17T20:11:58.907"/>
+    <p1510:client id="{5FB99853-22CD-6FA4-E6E5-66861C6B011C}" v="51" dt="2025-02-18T09:03:44.554"/>
   </p1510:revLst>
 </p1510:revInfo>
 </file>
@@ -9327,7 +9328,7 @@
           </a:lstStyle>
           <a:p>
             <a:fld id="{AE6FDA7E-A7C1-4E74-9928-90831BB5DEF6}" type="datetimeFigureOut">
-              <a:t>17.02.2025</a:t>
+              <a:t>18.02.2025</a:t>
             </a:fld>
             <a:endParaRPr lang="de-DE"/>
           </a:p>
@@ -9638,10 +9639,10 @@
           <a:lstStyle/>
           <a:p>
             <a:r>
-              <a:rPr lang="de-DE" b="1" dirty="0"/>
+              <a:rPr lang="de-DE" b="1"/>
               <a:t>Originell Frage: Wie gut lässt sich die Fehlerursache einer Maschine durch Sensordaten identifizieren?</a:t>
             </a:r>
-            <a:endParaRPr lang="de-DE" dirty="0"/>
+            <a:endParaRPr lang="de-DE"/>
           </a:p>
         </p:txBody>
       </p:sp>
@@ -11344,7 +11345,7 @@
           <a:p>
             <a:fld id="{8F72BA41-EC5B-4197-BCC8-0FD2E523CD7A}" type="datetimeFigureOut">
               <a:rPr lang="en-US" smtClean="0"/>
-              <a:t>2/17/2025</a:t>
+              <a:t>2/18/2025</a:t>
             </a:fld>
             <a:endParaRPr lang="en-US"/>
           </a:p>
@@ -11548,7 +11549,7 @@
           <a:p>
             <a:fld id="{8F72BA41-EC5B-4197-BCC8-0FD2E523CD7A}" type="datetimeFigureOut">
               <a:rPr lang="en-US" smtClean="0"/>
-              <a:t>2/17/2025</a:t>
+              <a:t>2/18/2025</a:t>
             </a:fld>
             <a:endParaRPr lang="en-US"/>
           </a:p>
@@ -13268,7 +13269,7 @@
           <a:p>
             <a:fld id="{8F72BA41-EC5B-4197-BCC8-0FD2E523CD7A}" type="datetimeFigureOut">
               <a:rPr lang="en-US" smtClean="0"/>
-              <a:t>2/17/2025</a:t>
+              <a:t>2/18/2025</a:t>
             </a:fld>
             <a:endParaRPr lang="en-US"/>
           </a:p>
@@ -13467,7 +13468,7 @@
           <a:p>
             <a:fld id="{8F72BA41-EC5B-4197-BCC8-0FD2E523CD7A}" type="datetimeFigureOut">
               <a:rPr lang="en-US" smtClean="0"/>
-              <a:t>2/17/2025</a:t>
+              <a:t>2/18/2025</a:t>
             </a:fld>
             <a:endParaRPr lang="en-US"/>
           </a:p>
@@ -15257,7 +15258,7 @@
           <a:p>
             <a:fld id="{8F72BA41-EC5B-4197-BCC8-0FD2E523CD7A}" type="datetimeFigureOut">
               <a:rPr lang="en-US" smtClean="0"/>
-              <a:t>2/17/2025</a:t>
+              <a:t>2/18/2025</a:t>
             </a:fld>
             <a:endParaRPr lang="en-US"/>
           </a:p>
@@ -15528,7 +15529,7 @@
           <a:p>
             <a:fld id="{8F72BA41-EC5B-4197-BCC8-0FD2E523CD7A}" type="datetimeFigureOut">
               <a:rPr lang="en-US" smtClean="0"/>
-              <a:t>2/17/2025</a:t>
+              <a:t>2/18/2025</a:t>
             </a:fld>
             <a:endParaRPr lang="en-US"/>
           </a:p>
@@ -15946,7 +15947,7 @@
           <a:p>
             <a:fld id="{8F72BA41-EC5B-4197-BCC8-0FD2E523CD7A}" type="datetimeFigureOut">
               <a:rPr lang="en-US" smtClean="0"/>
-              <a:t>2/17/2025</a:t>
+              <a:t>2/18/2025</a:t>
             </a:fld>
             <a:endParaRPr lang="en-US"/>
           </a:p>
@@ -16102,7 +16103,7 @@
           <a:p>
             <a:fld id="{8F72BA41-EC5B-4197-BCC8-0FD2E523CD7A}" type="datetimeFigureOut">
               <a:rPr lang="en-US" smtClean="0"/>
-              <a:t>2/17/2025</a:t>
+              <a:t>2/18/2025</a:t>
             </a:fld>
             <a:endParaRPr lang="en-US"/>
           </a:p>
@@ -17671,7 +17672,7 @@
           <a:p>
             <a:fld id="{8F72BA41-EC5B-4197-BCC8-0FD2E523CD7A}" type="datetimeFigureOut">
               <a:rPr lang="en-US" smtClean="0"/>
-              <a:t>2/17/2025</a:t>
+              <a:t>2/18/2025</a:t>
             </a:fld>
             <a:endParaRPr lang="en-US"/>
           </a:p>
@@ -19521,7 +19522,7 @@
           <a:p>
             <a:fld id="{8F72BA41-EC5B-4197-BCC8-0FD2E523CD7A}" type="datetimeFigureOut">
               <a:rPr lang="en-US" smtClean="0"/>
-              <a:t>2/17/2025</a:t>
+              <a:t>2/18/2025</a:t>
             </a:fld>
             <a:endParaRPr lang="en-US"/>
           </a:p>
@@ -21333,7 +21334,7 @@
           <a:p>
             <a:fld id="{8F72BA41-EC5B-4197-BCC8-0FD2E523CD7A}" type="datetimeFigureOut">
               <a:rPr lang="en-US" smtClean="0"/>
-              <a:t>2/17/2025</a:t>
+              <a:t>2/18/2025</a:t>
             </a:fld>
             <a:endParaRPr lang="en-US"/>
           </a:p>
@@ -23026,7 +23027,7 @@
             <a:fld id="{8F72BA41-EC5B-4197-BCC8-0FD2E523CD7A}" type="datetimeFigureOut">
               <a:rPr lang="en-US" smtClean="0"/>
               <a:pPr/>
-              <a:t>2/17/2025</a:t>
+              <a:t>2/18/2025</a:t>
             </a:fld>
             <a:endParaRPr lang="en-US"/>
           </a:p>
@@ -25687,7 +25688,7 @@
           <a:lstStyle/>
           <a:p>
             <a:r>
-              <a:rPr lang="de-DE" dirty="0"/>
+              <a:rPr lang="de-DE"/>
               <a:t>Fragestellung</a:t>
             </a:r>
           </a:p>
@@ -25725,21 +25726,21 @@
               <a:buNone/>
             </a:pPr>
             <a:r>
-              <a:rPr lang="de-DE" sz="3200" b="1" dirty="0">
+              <a:rPr lang="de-DE" sz="3200" b="1">
                 <a:ea typeface="+mn-lt"/>
                 <a:cs typeface="+mn-lt"/>
               </a:rPr>
               <a:t>Wie genau lassen sich die Fehlerursachen einer Maschine durch Sensordaten mithilfe von Klassifikationsmodellen identifizieren (gemessen anhand von </a:t>
             </a:r>
             <a:r>
-              <a:rPr lang="de-DE" sz="3200" b="1" dirty="0" err="1">
+              <a:rPr lang="de-DE" sz="3200" b="1" err="1">
                 <a:ea typeface="+mn-lt"/>
                 <a:cs typeface="+mn-lt"/>
               </a:rPr>
               <a:t>Accuracy</a:t>
             </a:r>
             <a:r>
-              <a:rPr lang="de-DE" sz="3200" b="1" dirty="0">
+              <a:rPr lang="de-DE" sz="3200" b="1">
                 <a:ea typeface="+mn-lt"/>
                 <a:cs typeface="+mn-lt"/>
               </a:rPr>
@@ -25764,7 +25765,7 @@
         <p:spPr>
           <a:xfrm>
             <a:off x="691243" y="3824121"/>
-            <a:ext cx="11315625" cy="2031325"/>
+            <a:ext cx="11315625" cy="2185214"/>
           </a:xfrm>
           <a:prstGeom prst="rect">
             <a:avLst/>
@@ -25786,17 +25787,17 @@
             </a:pPr>
             <a:r>
               <a:rPr lang="de-DE" b="1" dirty="0"/>
-              <a:t>S: </a:t>
+              <a:t>S: </a:t>
             </a:r>
             <a:r>
               <a:rPr lang="de-DE" sz="1400" dirty="0">
                 <a:ea typeface="+mn-lt"/>
                 <a:cs typeface="+mn-lt"/>
               </a:rPr>
-              <a:t>Ein </a:t>
+              <a:t>Mehrere </a:t>
             </a:r>
             <a:r>
-              <a:rPr lang="de-DE" sz="1400" err="1">
+              <a:rPr lang="de-DE" sz="1400" dirty="0" err="1">
                 <a:ea typeface="+mn-lt"/>
                 <a:cs typeface="+mn-lt"/>
               </a:rPr>
@@ -25807,7 +25808,7 @@
                 <a:ea typeface="+mn-lt"/>
                 <a:cs typeface="+mn-lt"/>
               </a:rPr>
-              <a:t>-Learning-Modell soll entwickelt werden, das verschiedene Fehlerursachen basierend auf Sensordaten klassifiziert.</a:t>
+              <a:t>-Learning-Modelle sollen entwickelt werden, das verschiedene Fehlerursachen basierend auf Sensordaten klassifizieren.</a:t>
             </a:r>
             <a:endParaRPr lang="en-US" sz="1400" dirty="0"/>
           </a:p>
@@ -26053,13 +26054,13 @@
           <a:p>
             <a:pPr algn="l"/>
             <a:r>
-              <a:rPr lang="de-DE" dirty="0"/>
+              <a:rPr lang="de-DE"/>
               <a:t>CRISP-ML(Q)</a:t>
             </a:r>
           </a:p>
           <a:p>
             <a:r>
-              <a:rPr lang="de-DE" dirty="0"/>
+              <a:rPr lang="de-DE"/>
               <a:t>(- ohne Bereitstellung und Wartung -)</a:t>
             </a:r>
           </a:p>
@@ -26713,10 +26714,10 @@
           <a:lstStyle/>
           <a:p>
             <a:r>
-              <a:rPr lang="de-DE" dirty="0"/>
+              <a:rPr lang="de-DE"/>
               <a:t>Literatur-Recherche</a:t>
             </a:r>
-            <a:endParaRPr lang="en-US" dirty="0"/>
+            <a:endParaRPr lang="en-US"/>
           </a:p>
         </p:txBody>
       </p:sp>
@@ -26754,11 +26755,11 @@
               </a:buClr>
             </a:pPr>
             <a:r>
-              <a:rPr lang="de-DE" dirty="0"/>
+              <a:rPr lang="de-DE"/>
               <a:t>Data</a:t>
             </a:r>
             <a:r>
-              <a:rPr lang="de-DE" dirty="0">
+              <a:rPr lang="de-DE">
                 <a:ea typeface="+mn-lt"/>
                 <a:cs typeface="+mn-lt"/>
               </a:rPr>
@@ -26772,7 +26773,7 @@
               <a:t>Predictive</a:t>
             </a:r>
             <a:r>
-              <a:rPr lang="de-DE" dirty="0">
+              <a:rPr lang="de-DE">
                 <a:ea typeface="+mn-lt"/>
                 <a:cs typeface="+mn-lt"/>
               </a:rPr>
@@ -26795,7 +26796,7 @@
               <a:t>Predictive</a:t>
             </a:r>
             <a:r>
-              <a:rPr lang="de-DE" dirty="0">
+              <a:rPr lang="de-DE">
                 <a:ea typeface="+mn-lt"/>
                 <a:cs typeface="+mn-lt"/>
               </a:rPr>
@@ -26809,7 +26810,7 @@
               </a:buClr>
             </a:pPr>
             <a:r>
-              <a:rPr lang="de-DE" dirty="0">
+              <a:rPr lang="de-DE">
                 <a:ea typeface="+mn-lt"/>
                 <a:cs typeface="+mn-lt"/>
               </a:rPr>
@@ -26823,7 +26824,7 @@
               </a:buClr>
             </a:pPr>
             <a:r>
-              <a:rPr lang="de-DE" dirty="0">
+              <a:rPr lang="de-DE">
                 <a:ea typeface="+mn-lt"/>
                 <a:cs typeface="+mn-lt"/>
               </a:rPr>
@@ -26838,7 +26839,7 @@
               <a:buFont typeface="Courier New,monospace" panose="05000000000000000000" pitchFamily="2" charset="2"/>
               <a:buChar char="o"/>
             </a:pPr>
-            <a:endParaRPr lang="de-DE" sz="1600" dirty="0"/>
+            <a:endParaRPr lang="de-DE" sz="1600"/>
           </a:p>
         </p:txBody>
       </p:sp>
@@ -27075,10 +27076,10 @@
               </a:buClr>
             </a:pPr>
             <a:r>
-              <a:rPr lang="de-DE" dirty="0"/>
+              <a:rPr lang="de-DE"/>
               <a:t>Datenanalyse </a:t>
             </a:r>
-            <a:endParaRPr lang="en-US" sz="1800" dirty="0"/>
+            <a:endParaRPr lang="en-US" sz="1800"/>
           </a:p>
           <a:p>
             <a:pPr lvl="1">
@@ -27089,7 +27090,7 @@
               <a:buChar char="o"/>
             </a:pPr>
             <a:r>
-              <a:rPr lang="de-DE" dirty="0"/>
+              <a:rPr lang="de-DE"/>
               <a:t>Data Mining</a:t>
             </a:r>
           </a:p>
@@ -27102,14 +27103,14 @@
               <a:buChar char="o"/>
             </a:pPr>
             <a:r>
-              <a:rPr lang="de-DE" dirty="0" err="1"/>
+              <a:rPr lang="de-DE" err="1"/>
               <a:t>Machine</a:t>
             </a:r>
             <a:r>
-              <a:rPr lang="de-DE" dirty="0"/>
+              <a:rPr lang="de-DE"/>
               <a:t> Learning / mögliche Methoden</a:t>
             </a:r>
-            <a:endParaRPr lang="en-US" dirty="0"/>
+            <a:endParaRPr lang="en-US"/>
           </a:p>
           <a:p>
             <a:pPr lvl="1">
@@ -27120,7 +27121,7 @@
               <a:buChar char="o"/>
             </a:pPr>
             <a:r>
-              <a:rPr lang="de-DE" dirty="0"/>
+              <a:rPr lang="de-DE"/>
               <a:t>Ergebnisinterpretation</a:t>
             </a:r>
           </a:p>
@@ -27213,7 +27214,7 @@
           <a:lstStyle/>
           <a:p>
             <a:r>
-              <a:rPr lang="de-DE" dirty="0"/>
+              <a:rPr lang="de-DE"/>
               <a:t>Vorläufige Quellen</a:t>
             </a:r>
           </a:p>
@@ -27248,7 +27249,7 @@
           <a:lstStyle/>
           <a:p>
             <a:r>
-              <a:rPr lang="de-DE" sz="1800" b="1" dirty="0">
+              <a:rPr lang="de-DE" sz="1800" b="1">
                 <a:latin typeface="Grandview"/>
                 <a:ea typeface="Calibri"/>
                 <a:cs typeface="Calibri"/>
@@ -27256,7 +27257,7 @@
               <a:t>Seebacher, M. (2018).</a:t>
             </a:r>
             <a:r>
-              <a:rPr lang="de-DE" sz="1800" dirty="0">
+              <a:rPr lang="de-DE" sz="1800">
                 <a:latin typeface="Grandview"/>
                 <a:ea typeface="Calibri"/>
                 <a:cs typeface="Calibri"/>
@@ -27264,7 +27265,7 @@
               <a:t> </a:t>
             </a:r>
             <a:r>
-              <a:rPr lang="de-DE" sz="1600" dirty="0">
+              <a:rPr lang="de-DE" sz="1600">
                 <a:latin typeface="Grandview"/>
                 <a:ea typeface="Calibri"/>
                 <a:cs typeface="Calibri"/>
@@ -27280,7 +27281,7 @@
               <a:t>Predictive</a:t>
             </a:r>
             <a:r>
-              <a:rPr lang="de-DE" sz="1600" dirty="0">
+              <a:rPr lang="de-DE" sz="1600">
                 <a:latin typeface="Grandview"/>
                 <a:ea typeface="Calibri"/>
                 <a:cs typeface="Calibri"/>
@@ -27296,14 +27297,14 @@
               <a:t>Incident</a:t>
             </a:r>
             <a:r>
-              <a:rPr lang="de-DE" sz="1600" dirty="0">
+              <a:rPr lang="de-DE" sz="1600">
                 <a:latin typeface="Grandview"/>
                 <a:ea typeface="Calibri"/>
                 <a:cs typeface="Calibri"/>
               </a:rPr>
               <a:t>-Management. FH Technikum Wien.</a:t>
             </a:r>
-            <a:endParaRPr lang="de-DE" sz="1600" dirty="0">
+            <a:endParaRPr lang="de-DE" sz="1600">
               <a:latin typeface="Grandview"/>
             </a:endParaRPr>
           </a:p>
@@ -27314,7 +27315,7 @@
               </a:buClr>
             </a:pPr>
             <a:r>
-              <a:rPr lang="de-DE" sz="1800" b="1" dirty="0">
+              <a:rPr lang="de-DE" sz="1800" b="1">
                 <a:latin typeface="Grandview"/>
                 <a:ea typeface="Calibri"/>
                 <a:cs typeface="Calibri"/>
@@ -27322,7 +27323,7 @@
               <a:t>Frick, A. (2020).</a:t>
             </a:r>
             <a:r>
-              <a:rPr lang="de-DE" sz="1800" dirty="0">
+              <a:rPr lang="de-DE" sz="1800">
                 <a:latin typeface="Grandview"/>
                 <a:ea typeface="Calibri"/>
                 <a:cs typeface="Calibri"/>
@@ -27338,7 +27339,7 @@
               <a:t>Predictive</a:t>
             </a:r>
             <a:r>
-              <a:rPr lang="de-DE" sz="1600" dirty="0">
+              <a:rPr lang="de-DE" sz="1600">
                 <a:latin typeface="Grandview"/>
                 <a:ea typeface="Calibri"/>
                 <a:cs typeface="Calibri"/>
@@ -27356,7 +27357,7 @@
               </a:buClr>
             </a:pPr>
             <a:r>
-              <a:rPr lang="de-DE" sz="1800" b="1" dirty="0">
+              <a:rPr lang="de-DE" sz="1800" b="1">
                 <a:latin typeface="Grandview"/>
                 <a:ea typeface="Calibri"/>
                 <a:cs typeface="Calibri"/>
@@ -27364,7 +27365,7 @@
               <a:t>Ferrera, G. (2021).</a:t>
             </a:r>
             <a:r>
-              <a:rPr lang="de-DE" sz="1800" dirty="0">
+              <a:rPr lang="de-DE" sz="1800">
                 <a:latin typeface="Grandview"/>
                 <a:ea typeface="Calibri"/>
                 <a:cs typeface="Calibri"/>
@@ -27372,7 +27373,7 @@
               <a:t> </a:t>
             </a:r>
             <a:r>
-              <a:rPr lang="de-DE" sz="1600" dirty="0">
+              <a:rPr lang="de-DE" sz="1600">
                 <a:latin typeface="Grandview"/>
                 <a:ea typeface="Calibri"/>
                 <a:cs typeface="Calibri"/>
@@ -27388,7 +27389,7 @@
               <a:t>Predictive</a:t>
             </a:r>
             <a:r>
-              <a:rPr lang="de-DE" sz="1600" dirty="0">
+              <a:rPr lang="de-DE" sz="1600">
                 <a:latin typeface="Grandview"/>
                 <a:ea typeface="Calibri"/>
                 <a:cs typeface="Calibri"/>
@@ -27406,7 +27407,7 @@
               </a:buClr>
             </a:pPr>
             <a:r>
-              <a:rPr lang="de-DE" sz="1800" b="1" dirty="0">
+              <a:rPr lang="de-DE" sz="1800" b="1">
                 <a:latin typeface="Grandview"/>
                 <a:ea typeface="Calibri"/>
                 <a:cs typeface="Calibri"/>
@@ -27414,7 +27415,7 @@
               <a:t>Becker, W., &amp; Schuhknecht, F. (2020).</a:t>
             </a:r>
             <a:r>
-              <a:rPr lang="de-DE" sz="1800" dirty="0">
+              <a:rPr lang="de-DE" sz="1800">
                 <a:latin typeface="Grandview"/>
                 <a:ea typeface="Calibri"/>
                 <a:cs typeface="Calibri"/>
@@ -27422,7 +27423,7 @@
               <a:t> </a:t>
             </a:r>
             <a:r>
-              <a:rPr lang="de-DE" sz="1600" dirty="0">
+              <a:rPr lang="de-DE" sz="1600">
                 <a:latin typeface="Grandview"/>
                 <a:ea typeface="Calibri"/>
                 <a:cs typeface="Calibri"/>
@@ -27438,7 +27439,7 @@
               <a:t>Predictive</a:t>
             </a:r>
             <a:r>
-              <a:rPr lang="de-DE" sz="1600" dirty="0">
+              <a:rPr lang="de-DE" sz="1600">
                 <a:latin typeface="Grandview"/>
                 <a:ea typeface="Calibri"/>
                 <a:cs typeface="Calibri"/>
@@ -27446,7 +27447,7 @@
               <a:t> Maintenance und deren Steuerung. </a:t>
             </a:r>
             <a:r>
-              <a:rPr lang="de-DE" sz="1600" i="1" dirty="0">
+              <a:rPr lang="de-DE" sz="1600" i="1">
                 <a:latin typeface="Grandview"/>
                 <a:ea typeface="Calibri"/>
                 <a:cs typeface="Calibri"/>
@@ -27464,7 +27465,7 @@
               </a:buClr>
             </a:pPr>
             <a:r>
-              <a:rPr lang="de-DE" sz="1800" b="1" dirty="0" err="1">
+              <a:rPr lang="de-DE" sz="1800" b="1" err="1">
                 <a:latin typeface="Grandview"/>
                 <a:ea typeface="Calibri"/>
                 <a:cs typeface="Calibri"/>
@@ -27472,7 +27473,7 @@
               <a:t>Schaechtl</a:t>
             </a:r>
             <a:r>
-              <a:rPr lang="de-DE" sz="1800" b="1" dirty="0">
+              <a:rPr lang="de-DE" sz="1800" b="1">
                 <a:latin typeface="Grandview"/>
                 <a:ea typeface="Calibri"/>
                 <a:cs typeface="Calibri"/>
@@ -27480,7 +27481,7 @@
               <a:t>, P., Roth, M., Goetz, S., Schleich, B., &amp; </a:t>
             </a:r>
             <a:r>
-              <a:rPr lang="de-DE" sz="1800" b="1" dirty="0" err="1">
+              <a:rPr lang="de-DE" sz="1800" b="1" err="1">
                 <a:latin typeface="Grandview"/>
                 <a:ea typeface="Calibri"/>
                 <a:cs typeface="Calibri"/>
@@ -27488,7 +27489,7 @@
               <a:t>Wartzack</a:t>
             </a:r>
             <a:r>
-              <a:rPr lang="de-DE" sz="1800" b="1" dirty="0">
+              <a:rPr lang="de-DE" sz="1800" b="1">
                 <a:latin typeface="Grandview"/>
                 <a:ea typeface="Calibri"/>
                 <a:cs typeface="Calibri"/>
@@ -27496,7 +27497,7 @@
               <a:t>, S. (2023).</a:t>
             </a:r>
             <a:r>
-              <a:rPr lang="de-DE" sz="1800" dirty="0">
+              <a:rPr lang="de-DE" sz="1800">
                 <a:latin typeface="Grandview"/>
                 <a:ea typeface="Calibri"/>
                 <a:cs typeface="Calibri"/>
@@ -27504,7 +27505,7 @@
               <a:t> </a:t>
             </a:r>
             <a:r>
-              <a:rPr lang="de-DE" sz="1600" dirty="0">
+              <a:rPr lang="de-DE" sz="1600">
                 <a:latin typeface="Grandview"/>
                 <a:ea typeface="Calibri"/>
                 <a:cs typeface="Calibri"/>
@@ -27512,7 +27513,7 @@
               <a:t>Effiziente, prozessorientierte Konformitätsbewertung bei Toleranzsimulationen auf Basis von Klassifikationsmodellen. Prof. Dr.-Ing. Sandro </a:t>
             </a:r>
             <a:r>
-              <a:rPr lang="de-DE" sz="1600" dirty="0" err="1">
+              <a:rPr lang="de-DE" sz="1600" err="1">
                 <a:latin typeface="Grandview"/>
                 <a:ea typeface="Calibri"/>
                 <a:cs typeface="Calibri"/>
@@ -27520,14 +27521,14 @@
               <a:t>Wartzack</a:t>
             </a:r>
             <a:r>
-              <a:rPr lang="de-DE" sz="1600" dirty="0">
+              <a:rPr lang="de-DE" sz="1600">
                 <a:latin typeface="Grandview"/>
                 <a:ea typeface="Calibri"/>
                 <a:cs typeface="Calibri"/>
               </a:rPr>
               <a:t>.</a:t>
             </a:r>
-            <a:endParaRPr lang="de-DE" sz="1600" dirty="0">
+            <a:endParaRPr lang="de-DE" sz="1600">
               <a:latin typeface="Grandview"/>
             </a:endParaRPr>
           </a:p>
@@ -27537,7 +27538,7 @@
                 <a:srgbClr val="75AFAF"/>
               </a:buClr>
             </a:pPr>
-            <a:endParaRPr lang="de-DE" dirty="0">
+            <a:endParaRPr lang="de-DE">
               <a:latin typeface="Grandview"/>
               <a:ea typeface="Calibri"/>
               <a:cs typeface="Calibri"/>
@@ -27661,14 +27662,14 @@
           <a:lstStyle/>
           <a:p>
             <a:r>
-              <a:rPr lang="de-DE" dirty="0"/>
+              <a:rPr lang="de-DE"/>
               <a:t>Ca. 100 Notebooks auf </a:t>
             </a:r>
             <a:r>
-              <a:rPr lang="de-DE" dirty="0" err="1"/>
+              <a:rPr lang="de-DE" err="1"/>
               <a:t>Kaggle</a:t>
             </a:r>
-            <a:endParaRPr lang="de-DE" dirty="0"/>
+            <a:endParaRPr lang="de-DE"/>
           </a:p>
           <a:p>
             <a:pPr>
@@ -27677,7 +27678,7 @@
               </a:buClr>
             </a:pPr>
             <a:r>
-              <a:rPr lang="de-DE" dirty="0"/>
+              <a:rPr lang="de-DE"/>
               <a:t>Themen:</a:t>
             </a:r>
           </a:p>
@@ -27690,7 +27691,7 @@
               <a:buChar char="o"/>
             </a:pPr>
             <a:r>
-              <a:rPr lang="de-DE" dirty="0">
+              <a:rPr lang="de-DE">
                 <a:ea typeface="+mn-lt"/>
                 <a:cs typeface="+mn-lt"/>
               </a:rPr>
@@ -27706,7 +27707,7 @@
               <a:buChar char="o"/>
             </a:pPr>
             <a:r>
-              <a:rPr lang="de-DE" dirty="0">
+              <a:rPr lang="de-DE">
                 <a:ea typeface="+mn-lt"/>
                 <a:cs typeface="+mn-lt"/>
               </a:rPr>
@@ -27722,7 +27723,7 @@
               <a:buChar char="o"/>
             </a:pPr>
             <a:r>
-              <a:rPr lang="de-DE" dirty="0">
+              <a:rPr lang="de-DE">
                 <a:ea typeface="+mn-lt"/>
                 <a:cs typeface="+mn-lt"/>
               </a:rPr>
@@ -27738,21 +27739,21 @@
               <a:buChar char="o"/>
             </a:pPr>
             <a:r>
-              <a:rPr lang="de-DE" dirty="0">
+              <a:rPr lang="de-DE">
                 <a:ea typeface="+mn-lt"/>
                 <a:cs typeface="+mn-lt"/>
               </a:rPr>
               <a:t>(+ </a:t>
             </a:r>
             <a:r>
-              <a:rPr lang="de-DE" dirty="0" err="1">
+              <a:rPr lang="de-DE" err="1">
                 <a:ea typeface="+mn-lt"/>
                 <a:cs typeface="+mn-lt"/>
               </a:rPr>
               <a:t>Oversampling</a:t>
             </a:r>
             <a:r>
-              <a:rPr lang="de-DE" dirty="0">
+              <a:rPr lang="de-DE">
                 <a:ea typeface="+mn-lt"/>
                 <a:cs typeface="+mn-lt"/>
               </a:rPr>
@@ -27768,7 +27769,7 @@
               <a:buChar char="o"/>
             </a:pPr>
             <a:r>
-              <a:rPr lang="de-DE" dirty="0">
+              <a:rPr lang="de-DE">
                 <a:ea typeface="+mn-lt"/>
                 <a:cs typeface="+mn-lt"/>
               </a:rPr>
@@ -27781,7 +27782,7 @@
                 <a:srgbClr val="75AFAF"/>
               </a:buClr>
             </a:pPr>
-            <a:endParaRPr lang="de-DE" dirty="0"/>
+            <a:endParaRPr lang="de-DE"/>
           </a:p>
           <a:p>
             <a:pPr>
@@ -28026,17 +28027,17 @@
               </a:buClr>
             </a:pPr>
             <a:r>
-              <a:rPr lang="de-DE" dirty="0"/>
+              <a:rPr lang="de-DE"/>
               <a:t>Interessantes </a:t>
             </a:r>
             <a:r>
-              <a:rPr lang="de-DE" dirty="0">
+              <a:rPr lang="de-DE">
                 <a:hlinkClick r:id="rId2"/>
               </a:rPr>
               <a:t>GitHub</a:t>
             </a:r>
             <a:r>
-              <a:rPr lang="de-DE" dirty="0"/>
+              <a:rPr lang="de-DE"/>
               <a:t> Repository </a:t>
             </a:r>
           </a:p>
@@ -28047,7 +28048,7 @@
               </a:buClr>
             </a:pPr>
             <a:r>
-              <a:rPr lang="de-DE" dirty="0"/>
+              <a:rPr lang="de-DE"/>
               <a:t>Themen:</a:t>
             </a:r>
           </a:p>
@@ -28063,15 +28064,15 @@
               <a:buChar char="o"/>
             </a:pPr>
             <a:r>
-              <a:rPr lang="de-DE" dirty="0"/>
+              <a:rPr lang="de-DE"/>
               <a:t>Data </a:t>
             </a:r>
             <a:r>
-              <a:rPr lang="de-DE" dirty="0" err="1"/>
+              <a:rPr lang="de-DE" err="1"/>
               <a:t>Preprocessing</a:t>
             </a:r>
             <a:r>
-              <a:rPr lang="de-DE" dirty="0"/>
+              <a:rPr lang="de-DE"/>
               <a:t> and Feature Engineering</a:t>
             </a:r>
           </a:p>
@@ -28087,20 +28088,20 @@
               <a:buChar char="o"/>
             </a:pPr>
             <a:r>
-              <a:rPr lang="de-DE" dirty="0" err="1">
+              <a:rPr lang="de-DE" err="1">
                 <a:ea typeface="+mn-lt"/>
                 <a:cs typeface="+mn-lt"/>
               </a:rPr>
               <a:t>Predictive</a:t>
             </a:r>
             <a:r>
-              <a:rPr lang="de-DE" dirty="0">
+              <a:rPr lang="de-DE">
                 <a:ea typeface="+mn-lt"/>
                 <a:cs typeface="+mn-lt"/>
               </a:rPr>
               <a:t> Maintenance Classification</a:t>
             </a:r>
-            <a:endParaRPr lang="de-DE" dirty="0"/>
+            <a:endParaRPr lang="de-DE"/>
           </a:p>
           <a:p>
             <a:pPr>
@@ -28108,7 +28109,7 @@
                 <a:srgbClr val="75AFAF"/>
               </a:buClr>
             </a:pPr>
-            <a:endParaRPr lang="de-DE" dirty="0"/>
+            <a:endParaRPr lang="de-DE"/>
           </a:p>
           <a:p>
             <a:pPr>
